--- a/BrightCoffee Presentation.pptx
+++ b/BrightCoffee Presentation.pptx
@@ -337,7 +337,7 @@
 <file path=ppt/revisionInfo.xml><?xml version="1.0" encoding="utf-8"?>
 <p1510:revInfo xmlns:a="http://schemas.openxmlformats.org/drawingml/2006/main" xmlns:r="http://schemas.openxmlformats.org/officeDocument/2006/relationships" xmlns:p1510="http://schemas.microsoft.com/office/powerpoint/2015/10/main">
   <p1510:revLst>
-    <p1510:client id="{AF04B7C5-F389-4702-B086-B3982A674771}" v="379" dt="2025-10-27T16:20:31.852"/>
+    <p1510:client id="{AF04B7C5-F389-4702-B086-B3982A674771}" v="383" dt="2025-10-27T17:52:02.233"/>
   </p1510:revLst>
 </p1510:revInfo>
 </file>
@@ -347,7 +347,7 @@
   <pc:docChgLst>
     <pc:chgData name="Anelisa Dlamini" userId="1cb46e2c472cf80f" providerId="LiveId" clId="{E244BF1B-E594-450F-A2F7-0A7D1082DBE7}"/>
     <pc:docChg chg="undo custSel addSld delSld modSld sldOrd">
-      <pc:chgData name="Anelisa Dlamini" userId="1cb46e2c472cf80f" providerId="LiveId" clId="{E244BF1B-E594-450F-A2F7-0A7D1082DBE7}" dt="2025-10-27T16:28:07.235" v="2186" actId="1076"/>
+      <pc:chgData name="Anelisa Dlamini" userId="1cb46e2c472cf80f" providerId="LiveId" clId="{E244BF1B-E594-450F-A2F7-0A7D1082DBE7}" dt="2025-10-27T17:53:14.163" v="2237" actId="113"/>
       <pc:docMkLst>
         <pc:docMk/>
       </pc:docMkLst>
@@ -1270,7 +1270,7 @@
         </pc:sldMkLst>
       </pc:sldChg>
       <pc:sldChg chg="addSp delSp modSp mod modNotes">
-        <pc:chgData name="Anelisa Dlamini" userId="1cb46e2c472cf80f" providerId="LiveId" clId="{E244BF1B-E594-450F-A2F7-0A7D1082DBE7}" dt="2025-10-27T15:20:01.582" v="1796" actId="1076"/>
+        <pc:chgData name="Anelisa Dlamini" userId="1cb46e2c472cf80f" providerId="LiveId" clId="{E244BF1B-E594-450F-A2F7-0A7D1082DBE7}" dt="2025-10-27T17:53:14.163" v="2237" actId="113"/>
         <pc:sldMkLst>
           <pc:docMk/>
           <pc:sldMk cId="0" sldId="274"/>
@@ -1308,7 +1308,7 @@
           </ac:spMkLst>
         </pc:spChg>
         <pc:spChg chg="mod">
-          <ac:chgData name="Anelisa Dlamini" userId="1cb46e2c472cf80f" providerId="LiveId" clId="{E244BF1B-E594-450F-A2F7-0A7D1082DBE7}" dt="2025-10-27T13:34:46.671" v="1141"/>
+          <ac:chgData name="Anelisa Dlamini" userId="1cb46e2c472cf80f" providerId="LiveId" clId="{E244BF1B-E594-450F-A2F7-0A7D1082DBE7}" dt="2025-10-27T17:53:14.163" v="2237" actId="113"/>
           <ac:spMkLst>
             <pc:docMk/>
             <pc:sldMk cId="0" sldId="274"/>
@@ -1483,13 +1483,13 @@
         </pc:sldMkLst>
       </pc:sldChg>
       <pc:sldChg chg="addSp delSp modSp mod modNotes">
-        <pc:chgData name="Anelisa Dlamini" userId="1cb46e2c472cf80f" providerId="LiveId" clId="{E244BF1B-E594-450F-A2F7-0A7D1082DBE7}" dt="2025-10-27T15:31:21.768" v="1975" actId="1076"/>
+        <pc:chgData name="Anelisa Dlamini" userId="1cb46e2c472cf80f" providerId="LiveId" clId="{E244BF1B-E594-450F-A2F7-0A7D1082DBE7}" dt="2025-10-27T17:52:50.431" v="2234" actId="113"/>
         <pc:sldMkLst>
           <pc:docMk/>
           <pc:sldMk cId="0" sldId="277"/>
         </pc:sldMkLst>
         <pc:spChg chg="mod">
-          <ac:chgData name="Anelisa Dlamini" userId="1cb46e2c472cf80f" providerId="LiveId" clId="{E244BF1B-E594-450F-A2F7-0A7D1082DBE7}" dt="2025-10-27T09:57:10.963" v="758"/>
+          <ac:chgData name="Anelisa Dlamini" userId="1cb46e2c472cf80f" providerId="LiveId" clId="{E244BF1B-E594-450F-A2F7-0A7D1082DBE7}" dt="2025-10-27T17:52:50.431" v="2234" actId="113"/>
           <ac:spMkLst>
             <pc:docMk/>
             <pc:sldMk cId="0" sldId="277"/>
@@ -1670,7 +1670,7 @@
         </pc:sldMkLst>
       </pc:sldChg>
       <pc:sldChg chg="addSp delSp modSp mod">
-        <pc:chgData name="Anelisa Dlamini" userId="1cb46e2c472cf80f" providerId="LiveId" clId="{E244BF1B-E594-450F-A2F7-0A7D1082DBE7}" dt="2025-10-27T15:37:46.543" v="2050" actId="20577"/>
+        <pc:chgData name="Anelisa Dlamini" userId="1cb46e2c472cf80f" providerId="LiveId" clId="{E244BF1B-E594-450F-A2F7-0A7D1082DBE7}" dt="2025-10-27T17:52:25.421" v="2232" actId="113"/>
         <pc:sldMkLst>
           <pc:docMk/>
           <pc:sldMk cId="0" sldId="282"/>
@@ -1697,6 +1697,14 @@
             <pc:docMk/>
             <pc:sldMk cId="0" sldId="282"/>
             <ac:spMk id="7" creationId="{745CB426-30E4-3C92-C8F8-1D181FF7B600}"/>
+          </ac:spMkLst>
+        </pc:spChg>
+        <pc:spChg chg="add del mod">
+          <ac:chgData name="Anelisa Dlamini" userId="1cb46e2c472cf80f" providerId="LiveId" clId="{E244BF1B-E594-450F-A2F7-0A7D1082DBE7}" dt="2025-10-27T17:52:25.421" v="2232" actId="113"/>
+          <ac:spMkLst>
+            <pc:docMk/>
+            <pc:sldMk cId="0" sldId="282"/>
+            <ac:spMk id="3815" creationId="{00000000-0000-0000-0000-000000000000}"/>
           </ac:spMkLst>
         </pc:spChg>
         <pc:spChg chg="del mod">
@@ -1912,11 +1920,19 @@
         </pc:sldMkLst>
       </pc:sldChg>
       <pc:sldChg chg="addSp delSp modSp add mod">
-        <pc:chgData name="Anelisa Dlamini" userId="1cb46e2c472cf80f" providerId="LiveId" clId="{E244BF1B-E594-450F-A2F7-0A7D1082DBE7}" dt="2025-10-27T15:48:51.540" v="2094" actId="255"/>
+        <pc:chgData name="Anelisa Dlamini" userId="1cb46e2c472cf80f" providerId="LiveId" clId="{E244BF1B-E594-450F-A2F7-0A7D1082DBE7}" dt="2025-10-27T17:51:42.771" v="2206" actId="113"/>
         <pc:sldMkLst>
           <pc:docMk/>
           <pc:sldMk cId="513945136" sldId="288"/>
         </pc:sldMkLst>
+        <pc:spChg chg="add mod">
+          <ac:chgData name="Anelisa Dlamini" userId="1cb46e2c472cf80f" providerId="LiveId" clId="{E244BF1B-E594-450F-A2F7-0A7D1082DBE7}" dt="2025-10-27T17:50:37.203" v="2204"/>
+          <ac:spMkLst>
+            <pc:docMk/>
+            <pc:sldMk cId="513945136" sldId="288"/>
+            <ac:spMk id="2" creationId="{461096F6-599B-21A8-C48E-92EFF5BA87EE}"/>
+          </ac:spMkLst>
+        </pc:spChg>
         <pc:spChg chg="add mod">
           <ac:chgData name="Anelisa Dlamini" userId="1cb46e2c472cf80f" providerId="LiveId" clId="{E244BF1B-E594-450F-A2F7-0A7D1082DBE7}" dt="2025-10-27T15:48:51.540" v="2094" actId="255"/>
           <ac:spMkLst>
@@ -1926,7 +1942,7 @@
           </ac:spMkLst>
         </pc:spChg>
         <pc:spChg chg="mod">
-          <ac:chgData name="Anelisa Dlamini" userId="1cb46e2c472cf80f" providerId="LiveId" clId="{E244BF1B-E594-450F-A2F7-0A7D1082DBE7}" dt="2025-10-27T13:56:50.966" v="1429"/>
+          <ac:chgData name="Anelisa Dlamini" userId="1cb46e2c472cf80f" providerId="LiveId" clId="{E244BF1B-E594-450F-A2F7-0A7D1082DBE7}" dt="2025-10-27T17:51:42.771" v="2206" actId="113"/>
           <ac:spMkLst>
             <pc:docMk/>
             <pc:sldMk cId="513945136" sldId="288"/>
@@ -5538,7 +5554,7 @@
               </a:defRPr>
             </a:pPr>
             <a:r>
-              <a:rPr lang="en-ZA"/>
+              <a:rPr lang="en-ZA" dirty="0"/>
               <a:t>Sales per store location</a:t>
             </a:r>
           </a:p>
@@ -38616,7 +38632,7 @@
         </p:nvSpPr>
         <p:spPr>
           <a:xfrm>
-            <a:off x="311700" y="292625"/>
+            <a:off x="311700" y="211325"/>
             <a:ext cx="8520600" cy="572700"/>
           </a:xfrm>
           <a:prstGeom prst="rect">
@@ -38640,7 +38656,9 @@
               <a:buSzPts val="1100"/>
             </a:pPr>
             <a:r>
-              <a:rPr lang="en-ZA" sz="2800" dirty="0"/>
+              <a:rPr lang="en-ZA" sz="2800" b="1" dirty="0">
+                <a:latin typeface="Fira Sans Extra Condensed" panose="020B0503050000020004" pitchFamily="34" charset="0"/>
+              </a:rPr>
               <a:t>Sales VS Revenue per Product Type</a:t>
             </a:r>
           </a:p>
@@ -39236,7 +39254,9 @@
               <a:buSzPts val="1100"/>
             </a:pPr>
             <a:r>
-              <a:rPr lang="en-ZA" sz="2800" dirty="0"/>
+              <a:rPr lang="en-ZA" sz="2800" b="1" dirty="0">
+                <a:latin typeface="Fira Sans Extra Condensed" panose="020B0503050000020004" pitchFamily="34" charset="0"/>
+              </a:rPr>
               <a:t>Revenue per time of the day</a:t>
             </a:r>
           </a:p>
@@ -39605,6 +39625,20 @@
           </a:bodyPr>
           <a:lstStyle/>
           <a:p>
+            <a:pPr algn="ctr">
+              <a:buClr>
+                <a:schemeClr val="dk1"/>
+              </a:buClr>
+              <a:buSzPts val="1100"/>
+            </a:pPr>
+            <a:r>
+              <a:rPr lang="en-ZA" sz="2800" b="1" dirty="0">
+                <a:latin typeface="Fira Sans Extra Condensed" panose="020B0503050000020004" pitchFamily="34" charset="0"/>
+              </a:rPr>
+              <a:t>Sales per store location</a:t>
+            </a:r>
+          </a:p>
+          <a:p>
             <a:pPr marL="0" lvl="0" indent="0" algn="ctr" rtl="0">
               <a:spcBef>
                 <a:spcPts val="0"/>
@@ -39619,18 +39653,6 @@
               <a:buFont typeface="Arial"/>
               <a:buNone/>
             </a:pPr>
-            <a:r>
-              <a:rPr lang="en" sz="2800" b="1" dirty="0">
-                <a:solidFill>
-                  <a:schemeClr val="dk1"/>
-                </a:solidFill>
-                <a:latin typeface="Fira Sans Extra Condensed"/>
-                <a:ea typeface="Fira Sans Extra Condensed"/>
-                <a:cs typeface="Fira Sans Extra Condensed"/>
-                <a:sym typeface="Fira Sans Extra Condensed"/>
-              </a:rPr>
-              <a:t>COFFEE INFOGRAPHICS</a:t>
-            </a:r>
             <a:endParaRPr sz="2800" b="1" dirty="0">
               <a:solidFill>
                 <a:schemeClr val="dk1"/>
@@ -40309,7 +40331,9 @@
               <a:buSzPts val="1100"/>
             </a:pPr>
             <a:r>
-              <a:rPr lang="en-US" sz="2800" dirty="0"/>
+              <a:rPr lang="en-US" sz="2800" b="1" dirty="0">
+                <a:latin typeface="Fira Sans Extra Condensed" panose="020B0503050000020004" pitchFamily="34" charset="0"/>
+              </a:rPr>
               <a:t>Number of Sales vs day of the week</a:t>
             </a:r>
           </a:p>
@@ -41050,6 +41074,80 @@
               <a:t>Stronger sales midweek, weaker at the weekend</a:t>
             </a:r>
             <a:endParaRPr lang="en-ZA" sz="1200" dirty="0"/>
+          </a:p>
+        </p:txBody>
+      </p:sp>
+      <p:sp>
+        <p:nvSpPr>
+          <p:cNvPr id="2" name="Google Shape;2587;p40">
+            <a:extLst>
+              <a:ext uri="{FF2B5EF4-FFF2-40B4-BE49-F238E27FC236}">
+                <a16:creationId xmlns:a16="http://schemas.microsoft.com/office/drawing/2014/main" id="{461096F6-599B-21A8-C48E-92EFF5BA87EE}"/>
+              </a:ext>
+            </a:extLst>
+          </p:cNvPr>
+          <p:cNvSpPr txBox="1"/>
+          <p:nvPr/>
+        </p:nvSpPr>
+        <p:spPr>
+          <a:xfrm>
+            <a:off x="554792" y="777282"/>
+            <a:ext cx="8520600" cy="572700"/>
+          </a:xfrm>
+          <a:prstGeom prst="rect">
+            <a:avLst/>
+          </a:prstGeom>
+          <a:noFill/>
+          <a:ln>
+            <a:noFill/>
+          </a:ln>
+        </p:spPr>
+        <p:txBody>
+          <a:bodyPr spcFirstLastPara="1" wrap="square" lIns="91425" tIns="91425" rIns="91425" bIns="91425" anchor="t" anchorCtr="0">
+            <a:noAutofit/>
+          </a:bodyPr>
+          <a:lstStyle/>
+          <a:p>
+            <a:pPr marL="0" lvl="0" indent="0" algn="ctr" rtl="0">
+              <a:spcBef>
+                <a:spcPts val="0"/>
+              </a:spcBef>
+              <a:spcAft>
+                <a:spcPts val="0"/>
+              </a:spcAft>
+              <a:buClr>
+                <a:schemeClr val="dk1"/>
+              </a:buClr>
+              <a:buSzPts val="1100"/>
+              <a:buFont typeface="Arial"/>
+              <a:buNone/>
+            </a:pPr>
+            <a:endParaRPr sz="2800" b="1" dirty="0">
+              <a:solidFill>
+                <a:schemeClr val="dk1"/>
+              </a:solidFill>
+              <a:latin typeface="Fira Sans Extra Condensed"/>
+              <a:ea typeface="Fira Sans Extra Condensed"/>
+              <a:cs typeface="Fira Sans Extra Condensed"/>
+              <a:sym typeface="Fira Sans Extra Condensed"/>
+            </a:endParaRPr>
+          </a:p>
+          <a:p>
+            <a:pPr marL="0" lvl="0" indent="0" algn="ctr" rtl="0">
+              <a:spcBef>
+                <a:spcPts val="0"/>
+              </a:spcBef>
+              <a:spcAft>
+                <a:spcPts val="0"/>
+              </a:spcAft>
+              <a:buNone/>
+            </a:pPr>
+            <a:endParaRPr sz="2800" b="1" dirty="0">
+              <a:latin typeface="Fira Sans Extra Condensed"/>
+              <a:ea typeface="Fira Sans Extra Condensed"/>
+              <a:cs typeface="Fira Sans Extra Condensed"/>
+              <a:sym typeface="Fira Sans Extra Condensed"/>
+            </a:endParaRPr>
           </a:p>
         </p:txBody>
       </p:sp>
